--- a/Presentations/AVR Live Class 14.pptx
+++ b/Presentations/AVR Live Class 14.pptx
@@ -306,7 +306,7 @@
   <pc:docChgLst>
     <pc:chgData name="Sreejith Rajan" userId="ec11bca0e4bee75f" providerId="LiveId" clId="{7B4F392D-EAB3-4CE7-903E-F84869825F47}"/>
     <pc:docChg chg="undo custSel addSld delSld modSld sldOrd">
-      <pc:chgData name="Sreejith Rajan" userId="ec11bca0e4bee75f" providerId="LiveId" clId="{7B4F392D-EAB3-4CE7-903E-F84869825F47}" dt="2025-10-13T14:52:45.080" v="6170" actId="207"/>
+      <pc:chgData name="Sreejith Rajan" userId="ec11bca0e4bee75f" providerId="LiveId" clId="{7B4F392D-EAB3-4CE7-903E-F84869825F47}" dt="2025-10-13T15:52:25.830" v="6172" actId="1076"/>
       <pc:docMkLst>
         <pc:docMk/>
       </pc:docMkLst>
@@ -865,7 +865,7 @@
         </pc:picChg>
       </pc:sldChg>
       <pc:sldChg chg="addSp delSp modSp add mod">
-        <pc:chgData name="Sreejith Rajan" userId="ec11bca0e4bee75f" providerId="LiveId" clId="{7B4F392D-EAB3-4CE7-903E-F84869825F47}" dt="2025-10-13T13:01:15.674" v="5488" actId="1076"/>
+        <pc:chgData name="Sreejith Rajan" userId="ec11bca0e4bee75f" providerId="LiveId" clId="{7B4F392D-EAB3-4CE7-903E-F84869825F47}" dt="2025-10-13T15:52:25.830" v="6172" actId="1076"/>
         <pc:sldMkLst>
           <pc:docMk/>
           <pc:sldMk cId="2737292630" sldId="317"/>
@@ -895,7 +895,7 @@
           </ac:picMkLst>
         </pc:picChg>
         <pc:picChg chg="add mod">
-          <ac:chgData name="Sreejith Rajan" userId="ec11bca0e4bee75f" providerId="LiveId" clId="{7B4F392D-EAB3-4CE7-903E-F84869825F47}" dt="2025-10-13T13:01:15.674" v="5488" actId="1076"/>
+          <ac:chgData name="Sreejith Rajan" userId="ec11bca0e4bee75f" providerId="LiveId" clId="{7B4F392D-EAB3-4CE7-903E-F84869825F47}" dt="2025-10-13T15:52:25.830" v="6172" actId="1076"/>
           <ac:picMkLst>
             <pc:docMk/>
             <pc:sldMk cId="2737292630" sldId="317"/>
@@ -8608,7 +8608,7 @@
         </p:blipFill>
         <p:spPr>
           <a:xfrm>
-            <a:off x="2580535" y="1083767"/>
+            <a:off x="2580535" y="1152216"/>
             <a:ext cx="6334568" cy="3115361"/>
           </a:xfrm>
           <a:prstGeom prst="rect">
